--- a/DES ALGORITHM.pptx
+++ b/DES ALGORITHM.pptx
@@ -544,7 +544,7 @@
             <a:fld id="{EE401711-02DC-4F5A-B0A4-D7A4CFB82638}" type="datetimeFigureOut">
               <a:rPr lang="en-US" smtClean="0"/>
               <a:pPr/>
-              <a:t>4/18/2017</a:t>
+              <a:t>9/14/2017</a:t>
             </a:fld>
             <a:endParaRPr lang="en-US" dirty="0"/>
           </a:p>
@@ -725,7 +725,7 @@
             <a:fld id="{8084AFC5-17E4-4A26-A144-49682BD36ECA}" type="datetimeFigureOut">
               <a:rPr lang="en-US" smtClean="0"/>
               <a:pPr/>
-              <a:t>4/18/2017</a:t>
+              <a:t>9/14/2017</a:t>
             </a:fld>
             <a:endParaRPr lang="en-US" dirty="0"/>
           </a:p>
@@ -907,7 +907,7 @@
             <a:fld id="{F8679482-E0DA-4858-9A19-F8B792C0C3D9}" type="datetimeFigureOut">
               <a:rPr lang="en-US" smtClean="0"/>
               <a:pPr/>
-              <a:t>4/18/2017</a:t>
+              <a:t>9/14/2017</a:t>
             </a:fld>
             <a:endParaRPr lang="en-US" dirty="0"/>
           </a:p>
@@ -1079,7 +1079,7 @@
             <a:fld id="{57C10A69-C0BC-4A5A-8FE4-5D0B5D0F11EE}" type="datetimeFigureOut">
               <a:rPr lang="en-US" smtClean="0"/>
               <a:pPr/>
-              <a:t>4/18/2017</a:t>
+              <a:t>9/14/2017</a:t>
             </a:fld>
             <a:endParaRPr lang="en-US" dirty="0"/>
           </a:p>
@@ -1394,7 +1394,7 @@
             <a:fld id="{9D653B61-F054-442D-881D-6A81C2774BFE}" type="datetimeFigureOut">
               <a:rPr lang="en-US" smtClean="0"/>
               <a:pPr/>
-              <a:t>4/18/2017</a:t>
+              <a:t>9/14/2017</a:t>
             </a:fld>
             <a:endParaRPr lang="en-US" dirty="0"/>
           </a:p>
@@ -1782,7 +1782,7 @@
             <a:fld id="{A2A8CD3A-8283-4FC4-856C-D5E0BF662449}" type="datetimeFigureOut">
               <a:rPr lang="en-US" smtClean="0"/>
               <a:pPr/>
-              <a:t>4/18/2017</a:t>
+              <a:t>9/14/2017</a:t>
             </a:fld>
             <a:endParaRPr lang="en-US" dirty="0"/>
           </a:p>
@@ -2218,7 +2218,7 @@
             <a:fld id="{53D8FEE8-FC08-4C54-BE1B-81CB6CA05FC8}" type="datetimeFigureOut">
               <a:rPr lang="en-US" smtClean="0"/>
               <a:pPr/>
-              <a:t>4/18/2017</a:t>
+              <a:t>9/14/2017</a:t>
             </a:fld>
             <a:endParaRPr lang="en-US" dirty="0"/>
           </a:p>
@@ -2338,7 +2338,7 @@
             <a:fld id="{B2EA528B-AADB-4276-9F0D-B13FCF86F309}" type="datetimeFigureOut">
               <a:rPr lang="en-US" smtClean="0"/>
               <a:pPr/>
-              <a:t>4/18/2017</a:t>
+              <a:t>9/14/2017</a:t>
             </a:fld>
             <a:endParaRPr lang="en-US" dirty="0"/>
           </a:p>
@@ -2435,7 +2435,7 @@
             <a:fld id="{A876497F-A1E4-4C0B-8811-954A59B26923}" type="datetimeFigureOut">
               <a:rPr lang="en-US" smtClean="0"/>
               <a:pPr/>
-              <a:t>4/18/2017</a:t>
+              <a:t>9/14/2017</a:t>
             </a:fld>
             <a:endParaRPr lang="en-US" dirty="0"/>
           </a:p>
@@ -2787,7 +2787,7 @@
             <a:fld id="{9F1824E7-1432-4F89-B9E6-59843C6C91FE}" type="datetimeFigureOut">
               <a:rPr lang="en-US" smtClean="0"/>
               <a:pPr/>
-              <a:t>4/18/2017</a:t>
+              <a:t>9/14/2017</a:t>
             </a:fld>
             <a:endParaRPr lang="en-US" dirty="0"/>
           </a:p>
@@ -3214,7 +3214,7 @@
             <a:fld id="{620AAD9C-D29C-4D1E-A739-CC3C95B41085}" type="datetimeFigureOut">
               <a:rPr lang="en-US" smtClean="0"/>
               <a:pPr/>
-              <a:t>4/18/2017</a:t>
+              <a:t>9/14/2017</a:t>
             </a:fld>
             <a:endParaRPr lang="en-US" dirty="0"/>
           </a:p>
@@ -3524,7 +3524,7 @@
             <a:fld id="{DC48ED7C-D9A5-4EA8-B309-6E368BFA8F2B}" type="datetimeFigureOut">
               <a:rPr lang="en-US" smtClean="0"/>
               <a:pPr/>
-              <a:t>4/18/2017</a:t>
+              <a:t>9/14/2017</a:t>
             </a:fld>
             <a:endParaRPr lang="en-US" dirty="0"/>
           </a:p>
@@ -5856,21 +5856,13 @@
           <a:p>
             <a:r>
               <a:rPr lang="en-US" dirty="0" smtClean="0"/>
-              <a:t>In the very same way DES was made, used and </a:t>
-            </a:r>
-            <a:r>
-              <a:rPr lang="en-US" dirty="0" smtClean="0"/>
-              <a:t>broke.</a:t>
-            </a:r>
-          </a:p>
-          <a:p>
-            <a:r>
-              <a:rPr lang="en-US" dirty="0" smtClean="0"/>
-              <a:t>Now DES was braked, Triple DES was slow. </a:t>
-            </a:r>
-            <a:r>
-              <a:rPr lang="en-US" dirty="0" smtClean="0"/>
-              <a:t>What next?</a:t>
+              <a:t>In the very same way DES was made, used and broke.</a:t>
+            </a:r>
+          </a:p>
+          <a:p>
+            <a:r>
+              <a:rPr lang="en-US" dirty="0" smtClean="0"/>
+              <a:t>Now DES was braked, Triple DES was slow. What next?</a:t>
             </a:r>
           </a:p>
           <a:p>
@@ -6183,42 +6175,17 @@
           <a:bodyPr/>
           <a:lstStyle/>
           <a:p>
-            <a:r>
-              <a:rPr lang="en-US" dirty="0" smtClean="0"/>
-              <a:t>Sai Aditya Ravi</a:t>
-            </a:r>
+            <a:endParaRPr lang="en-US" dirty="0" smtClean="0"/>
+          </a:p>
+          <a:p>
+            <a:endParaRPr lang="en-US" dirty="0"/>
           </a:p>
           <a:p>
             <a:r>
               <a:rPr lang="en-US" dirty="0" smtClean="0"/>
               <a:t>Rahul Kakarla</a:t>
             </a:r>
-          </a:p>
-          <a:p>
-            <a:r>
-              <a:rPr lang="en-US" dirty="0" err="1" smtClean="0"/>
-              <a:t>Shyam</a:t>
-            </a:r>
-            <a:r>
-              <a:rPr lang="en-US" dirty="0" smtClean="0"/>
-              <a:t> </a:t>
-            </a:r>
-            <a:r>
-              <a:rPr lang="en-US" dirty="0" err="1" smtClean="0"/>
-              <a:t>Madhukuri</a:t>
-            </a:r>
             <a:endParaRPr lang="en-US" dirty="0" smtClean="0"/>
-          </a:p>
-          <a:p>
-            <a:r>
-              <a:rPr lang="en-US" dirty="0" smtClean="0"/>
-              <a:t>Manisha </a:t>
-            </a:r>
-            <a:r>
-              <a:rPr lang="en-US" dirty="0" err="1" smtClean="0"/>
-              <a:t>Upadhrasta</a:t>
-            </a:r>
-            <a:endParaRPr lang="en-US" dirty="0"/>
           </a:p>
         </p:txBody>
       </p:sp>
@@ -6709,11 +6676,7 @@
             </a:pPr>
             <a:r>
               <a:rPr lang="en-US" dirty="0" smtClean="0"/>
-              <a:t>Later, there are many forms that came into existence like Scytale, Atbash, </a:t>
-            </a:r>
-            <a:r>
-              <a:rPr lang="en-US" dirty="0" smtClean="0"/>
-              <a:t>Caesar</a:t>
+              <a:t>Later, there are many forms that came into existence like Scytale, Atbash, Caesar</a:t>
             </a:r>
             <a:r>
               <a:rPr lang="en-US" dirty="0"/>
@@ -7264,15 +7227,7 @@
           <a:p>
             <a:r>
               <a:rPr lang="en-US" dirty="0" smtClean="0"/>
-              <a:t>DES is a symmetric block cipher, it encrypts 64 bits plain text with </a:t>
-            </a:r>
-            <a:r>
-              <a:rPr lang="en-US" dirty="0" smtClean="0"/>
-              <a:t>64 bit </a:t>
-            </a:r>
-            <a:r>
-              <a:rPr lang="en-US" dirty="0" smtClean="0"/>
-              <a:t>key at a time .</a:t>
+              <a:t>DES is a symmetric block cipher, it encrypts 64 bits plain text with 64 bit key at a time .</a:t>
             </a:r>
           </a:p>
           <a:p>
